--- a/JAVA PPT/Day9,10.pptx
+++ b/JAVA PPT/Day9,10.pptx
@@ -255,6 +255,22 @@
       </a:defRPr>
     </a:lvl9pPr>
   </p:defaultTextStyle>
+  <p:extLst>
+    <p:ext uri="{EFAFB233-063F-42B5-8137-9DF3F51BA10A}">
+      <p15:sldGuideLst xmlns:p15="http://schemas.microsoft.com/office/powerpoint/2012/main">
+        <p15:guide id="1" orient="horz" pos="1620" userDrawn="1">
+          <p15:clr>
+            <a:srgbClr val="A4A3A4"/>
+          </p15:clr>
+        </p15:guide>
+        <p15:guide id="2" pos="2876" userDrawn="1">
+          <p15:clr>
+            <a:srgbClr val="A4A3A4"/>
+          </p15:clr>
+        </p15:guide>
+      </p15:sldGuideLst>
+    </p:ext>
+  </p:extLst>
 </p:presentation>
 </file>
 
@@ -20243,23 +20259,27 @@
       </p:sp>
       <p:pic>
         <p:nvPicPr>
-          <p:cNvPr id="2" name="Picture 1" descr="Stringqpanswonans"/>
+          <p:cNvPr id="11" name="Picture 10"/>
           <p:cNvPicPr>
             <a:picLocks noChangeAspect="1"/>
           </p:cNvPicPr>
-          <p:nvPr/>
+          <p:nvPr>
+            <p:custDataLst>
+              <p:tags r:id="rId1"/>
+            </p:custDataLst>
+          </p:nvPr>
         </p:nvPicPr>
         <p:blipFill>
-          <a:blip r:embed="rId1"/>
-          <a:srcRect l="13502" t="12615" r="14700" b="12333"/>
+          <a:blip r:embed="rId2"/>
+          <a:srcRect l="6679" t="8688" r="6400" b="8961"/>
           <a:stretch>
             <a:fillRect/>
           </a:stretch>
         </p:blipFill>
         <p:spPr>
           <a:xfrm>
-            <a:off x="7154545" y="2265680"/>
-            <a:ext cx="1787525" cy="2239010"/>
+            <a:off x="1249045" y="1254760"/>
+            <a:ext cx="5346700" cy="3128645"/>
           </a:xfrm>
           <a:prstGeom prst="rect">
             <a:avLst/>
@@ -20268,23 +20288,27 @@
       </p:pic>
       <p:pic>
         <p:nvPicPr>
-          <p:cNvPr id="4" name="Picture 3" descr="Stringqpanswon"/>
+          <p:cNvPr id="12" name="Picture 11"/>
           <p:cNvPicPr>
             <a:picLocks noChangeAspect="1"/>
           </p:cNvPicPr>
-          <p:nvPr/>
+          <p:nvPr>
+            <p:custDataLst>
+              <p:tags r:id="rId3"/>
+            </p:custDataLst>
+          </p:nvPr>
         </p:nvPicPr>
         <p:blipFill>
-          <a:blip r:embed="rId2"/>
-          <a:srcRect l="5806" t="10846" r="6500" b="10433"/>
+          <a:blip r:embed="rId4"/>
+          <a:srcRect l="13512" t="13370" r="13559" b="13096"/>
           <a:stretch>
             <a:fillRect/>
           </a:stretch>
         </p:blipFill>
         <p:spPr>
           <a:xfrm>
-            <a:off x="1301115" y="1104265"/>
-            <a:ext cx="5628005" cy="3400425"/>
+            <a:off x="6843395" y="1450340"/>
+            <a:ext cx="1939925" cy="1871980"/>
           </a:xfrm>
           <a:prstGeom prst="rect">
             <a:avLst/>
@@ -20348,103 +20372,6 @@
                                         <p:cTn id="7" dur="500"/>
                                         <p:tgtEl>
                                           <p:spTgt spid="8"/>
-                                        </p:tgtEl>
-                                      </p:cBhvr>
-                                    </p:animEffect>
-                                  </p:childTnLst>
-                                </p:cTn>
-                              </p:par>
-                            </p:childTnLst>
-                          </p:cTn>
-                        </p:par>
-                        <p:par>
-                          <p:cTn id="8" fill="hold">
-                            <p:stCondLst>
-                              <p:cond delay="1299"/>
-                            </p:stCondLst>
-                            <p:childTnLst>
-                              <p:par>
-                                <p:cTn id="9" presetID="10" presetClass="entr" presetSubtype="0" fill="hold" nodeType="afterEffect">
-                                  <p:stCondLst>
-                                    <p:cond delay="0"/>
-                                  </p:stCondLst>
-                                  <p:childTnLst>
-                                    <p:set>
-                                      <p:cBhvr>
-                                        <p:cTn id="10" dur="1" fill="hold">
-                                          <p:stCondLst>
-                                            <p:cond delay="0"/>
-                                          </p:stCondLst>
-                                        </p:cTn>
-                                        <p:tgtEl>
-                                          <p:spTgt spid="4"/>
-                                        </p:tgtEl>
-                                        <p:attrNameLst>
-                                          <p:attrName>style.visibility</p:attrName>
-                                        </p:attrNameLst>
-                                      </p:cBhvr>
-                                      <p:to>
-                                        <p:strVal val="visible"/>
-                                      </p:to>
-                                    </p:set>
-                                    <p:animEffect transition="in" filter="fade">
-                                      <p:cBhvr>
-                                        <p:cTn id="11" dur="500"/>
-                                        <p:tgtEl>
-                                          <p:spTgt spid="4"/>
-                                        </p:tgtEl>
-                                      </p:cBhvr>
-                                    </p:animEffect>
-                                  </p:childTnLst>
-                                </p:cTn>
-                              </p:par>
-                            </p:childTnLst>
-                          </p:cTn>
-                        </p:par>
-                      </p:childTnLst>
-                    </p:cTn>
-                  </p:par>
-                  <p:par>
-                    <p:cTn id="12" fill="hold">
-                      <p:stCondLst>
-                        <p:cond delay="indefinite"/>
-                      </p:stCondLst>
-                      <p:childTnLst>
-                        <p:par>
-                          <p:cTn id="13" fill="hold">
-                            <p:stCondLst>
-                              <p:cond delay="0"/>
-                            </p:stCondLst>
-                            <p:childTnLst>
-                              <p:par>
-                                <p:cTn id="14" presetID="10" presetClass="entr" presetSubtype="0" fill="hold" nodeType="clickEffect">
-                                  <p:stCondLst>
-                                    <p:cond delay="0"/>
-                                  </p:stCondLst>
-                                  <p:childTnLst>
-                                    <p:set>
-                                      <p:cBhvr>
-                                        <p:cTn id="15" dur="1" fill="hold">
-                                          <p:stCondLst>
-                                            <p:cond delay="0"/>
-                                          </p:stCondLst>
-                                        </p:cTn>
-                                        <p:tgtEl>
-                                          <p:spTgt spid="2"/>
-                                        </p:tgtEl>
-                                        <p:attrNameLst>
-                                          <p:attrName>style.visibility</p:attrName>
-                                        </p:attrNameLst>
-                                      </p:cBhvr>
-                                      <p:to>
-                                        <p:strVal val="visible"/>
-                                      </p:to>
-                                    </p:set>
-                                    <p:animEffect transition="in" filter="fade">
-                                      <p:cBhvr>
-                                        <p:cTn id="16" dur="500"/>
-                                        <p:tgtEl>
-                                          <p:spTgt spid="2"/>
                                         </p:tgtEl>
                                       </p:cBhvr>
                                     </p:animEffect>
@@ -24387,6 +24314,18 @@
 </p:sld>
 </file>
 
+<file path=ppt/tags/tag1.xml><?xml version="1.0" encoding="utf-8"?>
+<p:tagLst xmlns:p="http://schemas.openxmlformats.org/presentationml/2006/main">
+  <p:tag name="KSO_WM_BEAUTIFY_FLAG" val=""/>
+</p:tagLst>
+</file>
+
+<file path=ppt/tags/tag2.xml><?xml version="1.0" encoding="utf-8"?>
+<p:tagLst xmlns:p="http://schemas.openxmlformats.org/presentationml/2006/main">
+  <p:tag name="KSO_WM_BEAUTIFY_FLAG" val=""/>
+</p:tagLst>
+</file>
+
 <file path=ppt/theme/theme1.xml><?xml version="1.0" encoding="utf-8"?>
 <a:theme xmlns:a="http://schemas.openxmlformats.org/drawingml/2006/main" name="Programming Language Workshop for Beginners by Slidesgo">
   <a:themeElements>
